--- a/lecture_notes/Week4-2 Word2Vec.pptx
+++ b/lecture_notes/Week4-2 Word2Vec.pptx
@@ -120,7 +120,7 @@
   </p:defaultTextStyle>
   <p:extLst>
     <p:ext uri="{EFAFB233-063F-42B5-8137-9DF3F51BA10A}">
-      <p15:sldGuideLst xmlns="" xmlns:p15="http://schemas.microsoft.com/office/powerpoint/2012/main">
+      <p15:sldGuideLst xmlns:p15="http://schemas.microsoft.com/office/powerpoint/2012/main">
         <p15:guide id="1" orient="horz" pos="2160">
           <p15:clr>
             <a:srgbClr val="A4A3A4"/>
@@ -219,7 +219,7 @@
           <a:p>
             <a:fld id="{A7334436-B583-4C13-90AE-3AC62AE9B0EB}" type="datetimeFigureOut">
               <a:rPr lang="ko-KR" altLang="en-US" smtClean="0"/>
-              <a:t>2016-04-04</a:t>
+              <a:t>2016. 4. 27.</a:t>
             </a:fld>
             <a:endParaRPr lang="ko-KR" altLang="en-US"/>
           </a:p>
@@ -752,7 +752,7 @@
           <a:p>
             <a:fld id="{FB30EDBD-1C2D-4C1E-B459-B60219FAB484}" type="datetimeFigureOut">
               <a:rPr lang="ko-KR" altLang="en-US" smtClean="0"/>
-              <a:t>2016-04-04</a:t>
+              <a:t>2016. 4. 27.</a:t>
             </a:fld>
             <a:endParaRPr lang="ko-KR" altLang="en-US"/>
           </a:p>
@@ -917,7 +917,7 @@
           <a:p>
             <a:fld id="{FB30EDBD-1C2D-4C1E-B459-B60219FAB484}" type="datetimeFigureOut">
               <a:rPr lang="ko-KR" altLang="en-US" smtClean="0"/>
-              <a:t>2016-04-04</a:t>
+              <a:t>2016. 4. 27.</a:t>
             </a:fld>
             <a:endParaRPr lang="ko-KR" altLang="en-US"/>
           </a:p>
@@ -1092,7 +1092,7 @@
           <a:p>
             <a:fld id="{FB30EDBD-1C2D-4C1E-B459-B60219FAB484}" type="datetimeFigureOut">
               <a:rPr lang="ko-KR" altLang="en-US" smtClean="0"/>
-              <a:t>2016-04-04</a:t>
+              <a:t>2016. 4. 27.</a:t>
             </a:fld>
             <a:endParaRPr lang="ko-KR" altLang="en-US"/>
           </a:p>
@@ -1257,7 +1257,7 @@
           <a:p>
             <a:fld id="{FB30EDBD-1C2D-4C1E-B459-B60219FAB484}" type="datetimeFigureOut">
               <a:rPr lang="ko-KR" altLang="en-US" smtClean="0"/>
-              <a:t>2016-04-04</a:t>
+              <a:t>2016. 4. 27.</a:t>
             </a:fld>
             <a:endParaRPr lang="ko-KR" altLang="en-US"/>
           </a:p>
@@ -1498,7 +1498,7 @@
           <a:p>
             <a:fld id="{FB30EDBD-1C2D-4C1E-B459-B60219FAB484}" type="datetimeFigureOut">
               <a:rPr lang="ko-KR" altLang="en-US" smtClean="0"/>
-              <a:t>2016-04-04</a:t>
+              <a:t>2016. 4. 27.</a:t>
             </a:fld>
             <a:endParaRPr lang="ko-KR" altLang="en-US"/>
           </a:p>
@@ -1781,7 +1781,7 @@
           <a:p>
             <a:fld id="{FB30EDBD-1C2D-4C1E-B459-B60219FAB484}" type="datetimeFigureOut">
               <a:rPr lang="ko-KR" altLang="en-US" smtClean="0"/>
-              <a:t>2016-04-04</a:t>
+              <a:t>2016. 4. 27.</a:t>
             </a:fld>
             <a:endParaRPr lang="ko-KR" altLang="en-US"/>
           </a:p>
@@ -2198,7 +2198,7 @@
           <a:p>
             <a:fld id="{FB30EDBD-1C2D-4C1E-B459-B60219FAB484}" type="datetimeFigureOut">
               <a:rPr lang="ko-KR" altLang="en-US" smtClean="0"/>
-              <a:t>2016-04-04</a:t>
+              <a:t>2016. 4. 27.</a:t>
             </a:fld>
             <a:endParaRPr lang="ko-KR" altLang="en-US"/>
           </a:p>
@@ -2311,7 +2311,7 @@
           <a:p>
             <a:fld id="{FB30EDBD-1C2D-4C1E-B459-B60219FAB484}" type="datetimeFigureOut">
               <a:rPr lang="ko-KR" altLang="en-US" smtClean="0"/>
-              <a:t>2016-04-04</a:t>
+              <a:t>2016. 4. 27.</a:t>
             </a:fld>
             <a:endParaRPr lang="ko-KR" altLang="en-US"/>
           </a:p>
@@ -2401,7 +2401,7 @@
           <a:p>
             <a:fld id="{FB30EDBD-1C2D-4C1E-B459-B60219FAB484}" type="datetimeFigureOut">
               <a:rPr lang="ko-KR" altLang="en-US" smtClean="0"/>
-              <a:t>2016-04-04</a:t>
+              <a:t>2016. 4. 27.</a:t>
             </a:fld>
             <a:endParaRPr lang="ko-KR" altLang="en-US"/>
           </a:p>
@@ -2673,7 +2673,7 @@
           <a:p>
             <a:fld id="{FB30EDBD-1C2D-4C1E-B459-B60219FAB484}" type="datetimeFigureOut">
               <a:rPr lang="ko-KR" altLang="en-US" smtClean="0"/>
-              <a:t>2016-04-04</a:t>
+              <a:t>2016. 4. 27.</a:t>
             </a:fld>
             <a:endParaRPr lang="ko-KR" altLang="en-US"/>
           </a:p>
@@ -2921,7 +2921,7 @@
           <a:p>
             <a:fld id="{FB30EDBD-1C2D-4C1E-B459-B60219FAB484}" type="datetimeFigureOut">
               <a:rPr lang="ko-KR" altLang="en-US" smtClean="0"/>
-              <a:t>2016-04-04</a:t>
+              <a:t>2016. 4. 27.</a:t>
             </a:fld>
             <a:endParaRPr lang="ko-KR" altLang="en-US"/>
           </a:p>
@@ -3129,7 +3129,7 @@
           <a:p>
             <a:fld id="{FB30EDBD-1C2D-4C1E-B459-B60219FAB484}" type="datetimeFigureOut">
               <a:rPr lang="ko-KR" altLang="en-US" smtClean="0"/>
-              <a:t>2016-04-04</a:t>
+              <a:t>2016. 4. 27.</a:t>
             </a:fld>
             <a:endParaRPr lang="ko-KR" altLang="en-US"/>
           </a:p>
